--- a/Documentation/delta_raiders.pptx
+++ b/Documentation/delta_raiders.pptx
@@ -188,7 +188,7 @@
           <a:noFill/>
           <a:extLst>
             <a:ext uri="{909E8E84-426E-40dd-AFC4-6F175D3DCCD1}">
-              <a14:hiddenFill xmlns="" xmlns:a14="http://schemas.microsoft.com/office/drawing/2010/main">
+              <a14:hiddenFill xmlns:a14="http://schemas.microsoft.com/office/drawing/2010/main" xmlns="">
                 <a:solidFill>
                   <a:srgbClr val="FFFFFF"/>
                 </a:solidFill>
@@ -247,7 +247,7 @@
             </a:ln>
             <a:extLst>
               <a:ext uri="{91240B29-F687-4f45-9708-019B960494DF}">
-                <a14:hiddenLine xmlns="" xmlns:a14="http://schemas.microsoft.com/office/drawing/2010/main" w="9525">
+                <a14:hiddenLine xmlns:a14="http://schemas.microsoft.com/office/drawing/2010/main" xmlns="" w="9525">
                   <a:solidFill>
                     <a:srgbClr val="000000"/>
                   </a:solidFill>
@@ -337,7 +337,7 @@
             </a:ln>
             <a:extLst>
               <a:ext uri="{91240B29-F687-4f45-9708-019B960494DF}">
-                <a14:hiddenLine xmlns="" xmlns:a14="http://schemas.microsoft.com/office/drawing/2010/main" w="9525">
+                <a14:hiddenLine xmlns:a14="http://schemas.microsoft.com/office/drawing/2010/main" xmlns="" w="9525">
                   <a:solidFill>
                     <a:srgbClr val="000000"/>
                   </a:solidFill>
@@ -427,7 +427,7 @@
             </a:ln>
             <a:extLst>
               <a:ext uri="{91240B29-F687-4f45-9708-019B960494DF}">
-                <a14:hiddenLine xmlns="" xmlns:a14="http://schemas.microsoft.com/office/drawing/2010/main" w="9525">
+                <a14:hiddenLine xmlns:a14="http://schemas.microsoft.com/office/drawing/2010/main" xmlns="" w="9525">
                   <a:solidFill>
                     <a:srgbClr val="000000"/>
                   </a:solidFill>
@@ -461,7 +461,7 @@
             </a:ln>
             <a:extLst>
               <a:ext uri="{91240B29-F687-4f45-9708-019B960494DF}">
-                <a14:hiddenLine xmlns="" xmlns:a14="http://schemas.microsoft.com/office/drawing/2010/main" w="9525">
+                <a14:hiddenLine xmlns:a14="http://schemas.microsoft.com/office/drawing/2010/main" xmlns="" w="9525">
                   <a:solidFill>
                     <a:srgbClr val="000000"/>
                   </a:solidFill>
@@ -551,7 +551,7 @@
             </a:ln>
             <a:extLst>
               <a:ext uri="{91240B29-F687-4f45-9708-019B960494DF}">
-                <a14:hiddenLine xmlns="" xmlns:a14="http://schemas.microsoft.com/office/drawing/2010/main" w="9525">
+                <a14:hiddenLine xmlns:a14="http://schemas.microsoft.com/office/drawing/2010/main" xmlns="" w="9525">
                   <a:solidFill>
                     <a:srgbClr val="000000"/>
                   </a:solidFill>
@@ -613,7 +613,7 @@
             </a:ln>
             <a:extLst>
               <a:ext uri="{91240B29-F687-4f45-9708-019B960494DF}">
-                <a14:hiddenLine xmlns="" xmlns:a14="http://schemas.microsoft.com/office/drawing/2010/main" w="9525">
+                <a14:hiddenLine xmlns:a14="http://schemas.microsoft.com/office/drawing/2010/main" xmlns="" w="9525">
                   <a:solidFill>
                     <a:srgbClr val="000000"/>
                   </a:solidFill>
@@ -675,7 +675,7 @@
             </a:ln>
             <a:extLst>
               <a:ext uri="{91240B29-F687-4f45-9708-019B960494DF}">
-                <a14:hiddenLine xmlns="" xmlns:a14="http://schemas.microsoft.com/office/drawing/2010/main" w="9525">
+                <a14:hiddenLine xmlns:a14="http://schemas.microsoft.com/office/drawing/2010/main" xmlns="" w="9525">
                   <a:solidFill>
                     <a:srgbClr val="000000"/>
                   </a:solidFill>
@@ -765,7 +765,7 @@
             </a:ln>
             <a:extLst>
               <a:ext uri="{91240B29-F687-4f45-9708-019B960494DF}">
-                <a14:hiddenLine xmlns="" xmlns:a14="http://schemas.microsoft.com/office/drawing/2010/main" w="9525">
+                <a14:hiddenLine xmlns:a14="http://schemas.microsoft.com/office/drawing/2010/main" xmlns="" w="9525">
                   <a:solidFill>
                     <a:srgbClr val="000000"/>
                   </a:solidFill>
@@ -827,7 +827,7 @@
             </a:ln>
             <a:extLst>
               <a:ext uri="{91240B29-F687-4f45-9708-019B960494DF}">
-                <a14:hiddenLine xmlns="" xmlns:a14="http://schemas.microsoft.com/office/drawing/2010/main" w="9525">
+                <a14:hiddenLine xmlns:a14="http://schemas.microsoft.com/office/drawing/2010/main" xmlns="" w="9525">
                   <a:solidFill>
                     <a:srgbClr val="000000"/>
                   </a:solidFill>
@@ -889,7 +889,7 @@
             </a:ln>
             <a:extLst>
               <a:ext uri="{91240B29-F687-4f45-9708-019B960494DF}">
-                <a14:hiddenLine xmlns="" xmlns:a14="http://schemas.microsoft.com/office/drawing/2010/main" w="9525">
+                <a14:hiddenLine xmlns:a14="http://schemas.microsoft.com/office/drawing/2010/main" xmlns="" w="9525">
                   <a:solidFill>
                     <a:srgbClr val="000000"/>
                   </a:solidFill>
@@ -979,7 +979,7 @@
             </a:ln>
             <a:extLst>
               <a:ext uri="{91240B29-F687-4f45-9708-019B960494DF}">
-                <a14:hiddenLine xmlns="" xmlns:a14="http://schemas.microsoft.com/office/drawing/2010/main" w="9525">
+                <a14:hiddenLine xmlns:a14="http://schemas.microsoft.com/office/drawing/2010/main" xmlns="" w="9525">
                   <a:solidFill>
                     <a:srgbClr val="000000"/>
                   </a:solidFill>
@@ -1069,7 +1069,7 @@
             </a:ln>
             <a:extLst>
               <a:ext uri="{91240B29-F687-4f45-9708-019B960494DF}">
-                <a14:hiddenLine xmlns="" xmlns:a14="http://schemas.microsoft.com/office/drawing/2010/main" w="9525">
+                <a14:hiddenLine xmlns:a14="http://schemas.microsoft.com/office/drawing/2010/main" xmlns="" w="9525">
                   <a:solidFill>
                     <a:srgbClr val="000000"/>
                   </a:solidFill>
@@ -1131,7 +1131,7 @@
             </a:ln>
             <a:extLst>
               <a:ext uri="{91240B29-F687-4f45-9708-019B960494DF}">
-                <a14:hiddenLine xmlns="" xmlns:a14="http://schemas.microsoft.com/office/drawing/2010/main" w="9525">
+                <a14:hiddenLine xmlns:a14="http://schemas.microsoft.com/office/drawing/2010/main" xmlns="" w="9525">
                   <a:solidFill>
                     <a:srgbClr val="000000"/>
                   </a:solidFill>
@@ -1241,7 +1241,7 @@
             </a:ln>
             <a:extLst>
               <a:ext uri="{91240B29-F687-4f45-9708-019B960494DF}">
-                <a14:hiddenLine xmlns="" xmlns:a14="http://schemas.microsoft.com/office/drawing/2010/main" w="9525">
+                <a14:hiddenLine xmlns:a14="http://schemas.microsoft.com/office/drawing/2010/main" xmlns="" w="9525">
                   <a:solidFill>
                     <a:srgbClr val="000000"/>
                   </a:solidFill>
@@ -1303,7 +1303,7 @@
             </a:ln>
             <a:extLst>
               <a:ext uri="{91240B29-F687-4f45-9708-019B960494DF}">
-                <a14:hiddenLine xmlns="" xmlns:a14="http://schemas.microsoft.com/office/drawing/2010/main" w="9525">
+                <a14:hiddenLine xmlns:a14="http://schemas.microsoft.com/office/drawing/2010/main" xmlns="" w="9525">
                   <a:solidFill>
                     <a:srgbClr val="000000"/>
                   </a:solidFill>
@@ -1393,7 +1393,7 @@
             </a:ln>
             <a:extLst>
               <a:ext uri="{91240B29-F687-4f45-9708-019B960494DF}">
-                <a14:hiddenLine xmlns="" xmlns:a14="http://schemas.microsoft.com/office/drawing/2010/main" w="9525">
+                <a14:hiddenLine xmlns:a14="http://schemas.microsoft.com/office/drawing/2010/main" xmlns="" w="9525">
                   <a:solidFill>
                     <a:srgbClr val="000000"/>
                   </a:solidFill>
@@ -1483,7 +1483,7 @@
             </a:ln>
             <a:extLst>
               <a:ext uri="{91240B29-F687-4f45-9708-019B960494DF}">
-                <a14:hiddenLine xmlns="" xmlns:a14="http://schemas.microsoft.com/office/drawing/2010/main" w="9525">
+                <a14:hiddenLine xmlns:a14="http://schemas.microsoft.com/office/drawing/2010/main" xmlns="" w="9525">
                   <a:solidFill>
                     <a:srgbClr val="000000"/>
                   </a:solidFill>
@@ -1545,7 +1545,7 @@
             </a:ln>
             <a:extLst>
               <a:ext uri="{91240B29-F687-4f45-9708-019B960494DF}">
-                <a14:hiddenLine xmlns="" xmlns:a14="http://schemas.microsoft.com/office/drawing/2010/main" w="9525">
+                <a14:hiddenLine xmlns:a14="http://schemas.microsoft.com/office/drawing/2010/main" xmlns="" w="9525">
                   <a:solidFill>
                     <a:srgbClr val="000000"/>
                   </a:solidFill>
@@ -1635,7 +1635,7 @@
             </a:ln>
             <a:extLst>
               <a:ext uri="{91240B29-F687-4f45-9708-019B960494DF}">
-                <a14:hiddenLine xmlns="" xmlns:a14="http://schemas.microsoft.com/office/drawing/2010/main" w="9525">
+                <a14:hiddenLine xmlns:a14="http://schemas.microsoft.com/office/drawing/2010/main" xmlns="" w="9525">
                   <a:solidFill>
                     <a:srgbClr val="000000"/>
                   </a:solidFill>
@@ -1725,7 +1725,7 @@
             </a:ln>
             <a:extLst>
               <a:ext uri="{91240B29-F687-4f45-9708-019B960494DF}">
-                <a14:hiddenLine xmlns="" xmlns:a14="http://schemas.microsoft.com/office/drawing/2010/main" w="9525">
+                <a14:hiddenLine xmlns:a14="http://schemas.microsoft.com/office/drawing/2010/main" xmlns="" w="9525">
                   <a:solidFill>
                     <a:srgbClr val="000000"/>
                   </a:solidFill>
@@ -1781,7 +1781,7 @@
             </a:ln>
             <a:extLst>
               <a:ext uri="{91240B29-F687-4f45-9708-019B960494DF}">
-                <a14:hiddenLine xmlns="" xmlns:a14="http://schemas.microsoft.com/office/drawing/2010/main" w="9525">
+                <a14:hiddenLine xmlns:a14="http://schemas.microsoft.com/office/drawing/2010/main" xmlns="" w="9525">
                   <a:solidFill>
                     <a:srgbClr val="000000"/>
                   </a:solidFill>
@@ -1871,7 +1871,7 @@
             </a:ln>
             <a:extLst>
               <a:ext uri="{91240B29-F687-4f45-9708-019B960494DF}">
-                <a14:hiddenLine xmlns="" xmlns:a14="http://schemas.microsoft.com/office/drawing/2010/main" w="9525">
+                <a14:hiddenLine xmlns:a14="http://schemas.microsoft.com/office/drawing/2010/main" xmlns="" w="9525">
                   <a:solidFill>
                     <a:srgbClr val="000000"/>
                   </a:solidFill>
@@ -1927,7 +1927,7 @@
             </a:ln>
             <a:extLst>
               <a:ext uri="{91240B29-F687-4f45-9708-019B960494DF}">
-                <a14:hiddenLine xmlns="" xmlns:a14="http://schemas.microsoft.com/office/drawing/2010/main" w="9525">
+                <a14:hiddenLine xmlns:a14="http://schemas.microsoft.com/office/drawing/2010/main" xmlns="" w="9525">
                   <a:solidFill>
                     <a:srgbClr val="000000"/>
                   </a:solidFill>
@@ -2017,7 +2017,7 @@
             </a:ln>
             <a:extLst>
               <a:ext uri="{91240B29-F687-4f45-9708-019B960494DF}">
-                <a14:hiddenLine xmlns="" xmlns:a14="http://schemas.microsoft.com/office/drawing/2010/main" w="9525">
+                <a14:hiddenLine xmlns:a14="http://schemas.microsoft.com/office/drawing/2010/main" xmlns="" w="9525">
                   <a:solidFill>
                     <a:srgbClr val="000000"/>
                   </a:solidFill>
@@ -2085,7 +2085,7 @@
             </a:ln>
             <a:extLst>
               <a:ext uri="{91240B29-F687-4f45-9708-019B960494DF}">
-                <a14:hiddenLine xmlns="" xmlns:a14="http://schemas.microsoft.com/office/drawing/2010/main" w="9525">
+                <a14:hiddenLine xmlns:a14="http://schemas.microsoft.com/office/drawing/2010/main" xmlns="" w="9525">
                   <a:solidFill>
                     <a:srgbClr val="000000"/>
                   </a:solidFill>
@@ -2175,7 +2175,7 @@
             </a:ln>
             <a:extLst>
               <a:ext uri="{91240B29-F687-4f45-9708-019B960494DF}">
-                <a14:hiddenLine xmlns="" xmlns:a14="http://schemas.microsoft.com/office/drawing/2010/main" w="9525">
+                <a14:hiddenLine xmlns:a14="http://schemas.microsoft.com/office/drawing/2010/main" xmlns="" w="9525">
                   <a:solidFill>
                     <a:srgbClr val="000000"/>
                   </a:solidFill>
@@ -2243,7 +2243,7 @@
             </a:ln>
             <a:extLst>
               <a:ext uri="{91240B29-F687-4f45-9708-019B960494DF}">
-                <a14:hiddenLine xmlns="" xmlns:a14="http://schemas.microsoft.com/office/drawing/2010/main" w="9525">
+                <a14:hiddenLine xmlns:a14="http://schemas.microsoft.com/office/drawing/2010/main" xmlns="" w="9525">
                   <a:solidFill>
                     <a:srgbClr val="000000"/>
                   </a:solidFill>
@@ -2333,7 +2333,7 @@
             </a:ln>
             <a:extLst>
               <a:ext uri="{91240B29-F687-4f45-9708-019B960494DF}">
-                <a14:hiddenLine xmlns="" xmlns:a14="http://schemas.microsoft.com/office/drawing/2010/main" w="9525">
+                <a14:hiddenLine xmlns:a14="http://schemas.microsoft.com/office/drawing/2010/main" xmlns="" w="9525">
                   <a:solidFill>
                     <a:srgbClr val="000000"/>
                   </a:solidFill>
@@ -2367,7 +2367,7 @@
             </a:ln>
             <a:extLst>
               <a:ext uri="{91240B29-F687-4f45-9708-019B960494DF}">
-                <a14:hiddenLine xmlns="" xmlns:a14="http://schemas.microsoft.com/office/drawing/2010/main" w="9525">
+                <a14:hiddenLine xmlns:a14="http://schemas.microsoft.com/office/drawing/2010/main" xmlns="" w="9525">
                   <a:solidFill>
                     <a:srgbClr val="000000"/>
                   </a:solidFill>
@@ -2457,7 +2457,7 @@
             </a:ln>
             <a:extLst>
               <a:ext uri="{91240B29-F687-4f45-9708-019B960494DF}">
-                <a14:hiddenLine xmlns="" xmlns:a14="http://schemas.microsoft.com/office/drawing/2010/main" w="9525">
+                <a14:hiddenLine xmlns:a14="http://schemas.microsoft.com/office/drawing/2010/main" xmlns="" w="9525">
                   <a:solidFill>
                     <a:srgbClr val="000000"/>
                   </a:solidFill>
@@ -2519,7 +2519,7 @@
             </a:ln>
             <a:extLst>
               <a:ext uri="{91240B29-F687-4f45-9708-019B960494DF}">
-                <a14:hiddenLine xmlns="" xmlns:a14="http://schemas.microsoft.com/office/drawing/2010/main" w="9525">
+                <a14:hiddenLine xmlns:a14="http://schemas.microsoft.com/office/drawing/2010/main" xmlns="" w="9525">
                   <a:solidFill>
                     <a:srgbClr val="000000"/>
                   </a:solidFill>
@@ -2581,7 +2581,7 @@
             </a:ln>
             <a:extLst>
               <a:ext uri="{91240B29-F687-4f45-9708-019B960494DF}">
-                <a14:hiddenLine xmlns="" xmlns:a14="http://schemas.microsoft.com/office/drawing/2010/main" w="9525">
+                <a14:hiddenLine xmlns:a14="http://schemas.microsoft.com/office/drawing/2010/main" xmlns="" w="9525">
                   <a:solidFill>
                     <a:srgbClr val="000000"/>
                   </a:solidFill>
@@ -2671,7 +2671,7 @@
             </a:ln>
             <a:extLst>
               <a:ext uri="{91240B29-F687-4f45-9708-019B960494DF}">
-                <a14:hiddenLine xmlns="" xmlns:a14="http://schemas.microsoft.com/office/drawing/2010/main" w="9525">
+                <a14:hiddenLine xmlns:a14="http://schemas.microsoft.com/office/drawing/2010/main" xmlns="" w="9525">
                   <a:solidFill>
                     <a:srgbClr val="000000"/>
                   </a:solidFill>
@@ -2739,7 +2739,7 @@
             </a:ln>
             <a:extLst>
               <a:ext uri="{91240B29-F687-4f45-9708-019B960494DF}">
-                <a14:hiddenLine xmlns="" xmlns:a14="http://schemas.microsoft.com/office/drawing/2010/main" w="9525">
+                <a14:hiddenLine xmlns:a14="http://schemas.microsoft.com/office/drawing/2010/main" xmlns="" w="9525">
                   <a:solidFill>
                     <a:srgbClr val="000000"/>
                   </a:solidFill>
@@ -2801,7 +2801,7 @@
             </a:ln>
             <a:extLst>
               <a:ext uri="{91240B29-F687-4f45-9708-019B960494DF}">
-                <a14:hiddenLine xmlns="" xmlns:a14="http://schemas.microsoft.com/office/drawing/2010/main" w="9525">
+                <a14:hiddenLine xmlns:a14="http://schemas.microsoft.com/office/drawing/2010/main" xmlns="" w="9525">
                   <a:solidFill>
                     <a:srgbClr val="000000"/>
                   </a:solidFill>
@@ -2891,7 +2891,7 @@
             </a:ln>
             <a:extLst>
               <a:ext uri="{91240B29-F687-4f45-9708-019B960494DF}">
-                <a14:hiddenLine xmlns="" xmlns:a14="http://schemas.microsoft.com/office/drawing/2010/main" w="9525">
+                <a14:hiddenLine xmlns:a14="http://schemas.microsoft.com/office/drawing/2010/main" xmlns="" w="9525">
                   <a:solidFill>
                     <a:srgbClr val="000000"/>
                   </a:solidFill>
@@ -2953,7 +2953,7 @@
             </a:ln>
             <a:extLst>
               <a:ext uri="{91240B29-F687-4f45-9708-019B960494DF}">
-                <a14:hiddenLine xmlns="" xmlns:a14="http://schemas.microsoft.com/office/drawing/2010/main" w="9525">
+                <a14:hiddenLine xmlns:a14="http://schemas.microsoft.com/office/drawing/2010/main" xmlns="" w="9525">
                   <a:solidFill>
                     <a:srgbClr val="000000"/>
                   </a:solidFill>
@@ -3043,7 +3043,7 @@
             </a:ln>
             <a:extLst>
               <a:ext uri="{91240B29-F687-4f45-9708-019B960494DF}">
-                <a14:hiddenLine xmlns="" xmlns:a14="http://schemas.microsoft.com/office/drawing/2010/main" w="9525">
+                <a14:hiddenLine xmlns:a14="http://schemas.microsoft.com/office/drawing/2010/main" xmlns="" w="9525">
                   <a:solidFill>
                     <a:srgbClr val="000000"/>
                   </a:solidFill>
@@ -3105,7 +3105,7 @@
             </a:ln>
             <a:extLst>
               <a:ext uri="{91240B29-F687-4f45-9708-019B960494DF}">
-                <a14:hiddenLine xmlns="" xmlns:a14="http://schemas.microsoft.com/office/drawing/2010/main" w="9525">
+                <a14:hiddenLine xmlns:a14="http://schemas.microsoft.com/office/drawing/2010/main" xmlns="" w="9525">
                   <a:solidFill>
                     <a:srgbClr val="000000"/>
                   </a:solidFill>
@@ -3195,7 +3195,7 @@
             </a:ln>
             <a:extLst>
               <a:ext uri="{91240B29-F687-4f45-9708-019B960494DF}">
-                <a14:hiddenLine xmlns="" xmlns:a14="http://schemas.microsoft.com/office/drawing/2010/main" w="9525">
+                <a14:hiddenLine xmlns:a14="http://schemas.microsoft.com/office/drawing/2010/main" xmlns="" w="9525">
                   <a:solidFill>
                     <a:srgbClr val="000000"/>
                   </a:solidFill>
@@ -3229,7 +3229,7 @@
             </a:ln>
             <a:extLst>
               <a:ext uri="{91240B29-F687-4f45-9708-019B960494DF}">
-                <a14:hiddenLine xmlns="" xmlns:a14="http://schemas.microsoft.com/office/drawing/2010/main" w="9525">
+                <a14:hiddenLine xmlns:a14="http://schemas.microsoft.com/office/drawing/2010/main" xmlns="" w="9525">
                   <a:solidFill>
                     <a:srgbClr val="000000"/>
                   </a:solidFill>
@@ -3294,7 +3294,7 @@
             </a:ln>
             <a:extLst>
               <a:ext uri="{91240B29-F687-4f45-9708-019B960494DF}">
-                <a14:hiddenLine xmlns="" xmlns:a14="http://schemas.microsoft.com/office/drawing/2010/main" w="9525">
+                <a14:hiddenLine xmlns:a14="http://schemas.microsoft.com/office/drawing/2010/main" xmlns="" w="9525">
                   <a:solidFill>
                     <a:srgbClr val="000000"/>
                   </a:solidFill>
@@ -3384,7 +3384,7 @@
             </a:ln>
             <a:extLst>
               <a:ext uri="{91240B29-F687-4f45-9708-019B960494DF}">
-                <a14:hiddenLine xmlns="" xmlns:a14="http://schemas.microsoft.com/office/drawing/2010/main" w="9525">
+                <a14:hiddenLine xmlns:a14="http://schemas.microsoft.com/office/drawing/2010/main" xmlns="" w="9525">
                   <a:solidFill>
                     <a:srgbClr val="000000"/>
                   </a:solidFill>
@@ -3446,7 +3446,7 @@
             </a:ln>
             <a:extLst>
               <a:ext uri="{91240B29-F687-4f45-9708-019B960494DF}">
-                <a14:hiddenLine xmlns="" xmlns:a14="http://schemas.microsoft.com/office/drawing/2010/main" w="9525">
+                <a14:hiddenLine xmlns:a14="http://schemas.microsoft.com/office/drawing/2010/main" xmlns="" w="9525">
                   <a:solidFill>
                     <a:srgbClr val="000000"/>
                   </a:solidFill>
@@ -3536,7 +3536,7 @@
             </a:ln>
             <a:extLst>
               <a:ext uri="{91240B29-F687-4f45-9708-019B960494DF}">
-                <a14:hiddenLine xmlns="" xmlns:a14="http://schemas.microsoft.com/office/drawing/2010/main" w="9525">
+                <a14:hiddenLine xmlns:a14="http://schemas.microsoft.com/office/drawing/2010/main" xmlns="" w="9525">
                   <a:solidFill>
                     <a:srgbClr val="000000"/>
                   </a:solidFill>
@@ -3626,7 +3626,7 @@
             </a:ln>
             <a:extLst>
               <a:ext uri="{91240B29-F687-4f45-9708-019B960494DF}">
-                <a14:hiddenLine xmlns="" xmlns:a14="http://schemas.microsoft.com/office/drawing/2010/main" w="9525">
+                <a14:hiddenLine xmlns:a14="http://schemas.microsoft.com/office/drawing/2010/main" xmlns="" w="9525">
                   <a:solidFill>
                     <a:srgbClr val="000000"/>
                   </a:solidFill>
@@ -3691,7 +3691,7 @@
             </a:ln>
             <a:extLst>
               <a:ext uri="{91240B29-F687-4f45-9708-019B960494DF}">
-                <a14:hiddenLine xmlns="" xmlns:a14="http://schemas.microsoft.com/office/drawing/2010/main" w="9525">
+                <a14:hiddenLine xmlns:a14="http://schemas.microsoft.com/office/drawing/2010/main" xmlns="" w="9525">
                   <a:solidFill>
                     <a:srgbClr val="000000"/>
                   </a:solidFill>
@@ -3753,7 +3753,7 @@
             </a:ln>
             <a:extLst>
               <a:ext uri="{91240B29-F687-4f45-9708-019B960494DF}">
-                <a14:hiddenLine xmlns="" xmlns:a14="http://schemas.microsoft.com/office/drawing/2010/main" w="9525">
+                <a14:hiddenLine xmlns:a14="http://schemas.microsoft.com/office/drawing/2010/main" xmlns="" w="9525">
                   <a:solidFill>
                     <a:srgbClr val="000000"/>
                   </a:solidFill>
@@ -3843,7 +3843,7 @@
             </a:ln>
             <a:extLst>
               <a:ext uri="{91240B29-F687-4f45-9708-019B960494DF}">
-                <a14:hiddenLine xmlns="" xmlns:a14="http://schemas.microsoft.com/office/drawing/2010/main" w="9525">
+                <a14:hiddenLine xmlns:a14="http://schemas.microsoft.com/office/drawing/2010/main" xmlns="" w="9525">
                   <a:solidFill>
                     <a:srgbClr val="000000"/>
                   </a:solidFill>
@@ -3933,7 +3933,7 @@
             </a:ln>
             <a:extLst>
               <a:ext uri="{91240B29-F687-4f45-9708-019B960494DF}">
-                <a14:hiddenLine xmlns="" xmlns:a14="http://schemas.microsoft.com/office/drawing/2010/main" w="9525">
+                <a14:hiddenLine xmlns:a14="http://schemas.microsoft.com/office/drawing/2010/main" xmlns="" w="9525">
                   <a:solidFill>
                     <a:srgbClr val="000000"/>
                   </a:solidFill>
@@ -3995,7 +3995,7 @@
             </a:ln>
             <a:extLst>
               <a:ext uri="{91240B29-F687-4f45-9708-019B960494DF}">
-                <a14:hiddenLine xmlns="" xmlns:a14="http://schemas.microsoft.com/office/drawing/2010/main" w="9525">
+                <a14:hiddenLine xmlns:a14="http://schemas.microsoft.com/office/drawing/2010/main" xmlns="" w="9525">
                   <a:solidFill>
                     <a:srgbClr val="000000"/>
                   </a:solidFill>
@@ -4115,7 +4115,7 @@
             </a:ln>
             <a:extLst>
               <a:ext uri="{91240B29-F687-4f45-9708-019B960494DF}">
-                <a14:hiddenLine xmlns="" xmlns:a14="http://schemas.microsoft.com/office/drawing/2010/main" w="9525">
+                <a14:hiddenLine xmlns:a14="http://schemas.microsoft.com/office/drawing/2010/main" xmlns="" w="9525">
                   <a:solidFill>
                     <a:srgbClr val="000000"/>
                   </a:solidFill>
@@ -4183,7 +4183,7 @@
             </a:ln>
             <a:extLst>
               <a:ext uri="{91240B29-F687-4f45-9708-019B960494DF}">
-                <a14:hiddenLine xmlns="" xmlns:a14="http://schemas.microsoft.com/office/drawing/2010/main" w="9525">
+                <a14:hiddenLine xmlns:a14="http://schemas.microsoft.com/office/drawing/2010/main" xmlns="" w="9525">
                   <a:solidFill>
                     <a:srgbClr val="000000"/>
                   </a:solidFill>
@@ -4273,7 +4273,7 @@
             </a:ln>
             <a:extLst>
               <a:ext uri="{91240B29-F687-4f45-9708-019B960494DF}">
-                <a14:hiddenLine xmlns="" xmlns:a14="http://schemas.microsoft.com/office/drawing/2010/main" w="9525">
+                <a14:hiddenLine xmlns:a14="http://schemas.microsoft.com/office/drawing/2010/main" xmlns="" w="9525">
                   <a:solidFill>
                     <a:srgbClr val="000000"/>
                   </a:solidFill>
@@ -9087,7 +9087,7 @@
           <a:noFill/>
           <a:extLst>
             <a:ext uri="{909E8E84-426E-40dd-AFC4-6F175D3DCCD1}">
-              <a14:hiddenFill xmlns="" xmlns:a14="http://schemas.microsoft.com/office/drawing/2010/main">
+              <a14:hiddenFill xmlns:a14="http://schemas.microsoft.com/office/drawing/2010/main" xmlns="">
                 <a:solidFill>
                   <a:srgbClr val="FFFFFF"/>
                 </a:solidFill>
@@ -9161,7 +9161,7 @@
               </a:ln>
               <a:extLst>
                 <a:ext uri="{91240B29-F687-4f45-9708-019B960494DF}">
-                  <a14:hiddenLine xmlns="" xmlns:a14="http://schemas.microsoft.com/office/drawing/2010/main" w="9525">
+                  <a14:hiddenLine xmlns:a14="http://schemas.microsoft.com/office/drawing/2010/main" xmlns="" w="9525">
                     <a:solidFill>
                       <a:srgbClr val="000000"/>
                     </a:solidFill>
@@ -9251,7 +9251,7 @@
               </a:ln>
               <a:extLst>
                 <a:ext uri="{91240B29-F687-4f45-9708-019B960494DF}">
-                  <a14:hiddenLine xmlns="" xmlns:a14="http://schemas.microsoft.com/office/drawing/2010/main" w="9525">
+                  <a14:hiddenLine xmlns:a14="http://schemas.microsoft.com/office/drawing/2010/main" xmlns="" w="9525">
                     <a:solidFill>
                       <a:srgbClr val="000000"/>
                     </a:solidFill>
@@ -9341,7 +9341,7 @@
               </a:ln>
               <a:extLst>
                 <a:ext uri="{91240B29-F687-4f45-9708-019B960494DF}">
-                  <a14:hiddenLine xmlns="" xmlns:a14="http://schemas.microsoft.com/office/drawing/2010/main" w="9525">
+                  <a14:hiddenLine xmlns:a14="http://schemas.microsoft.com/office/drawing/2010/main" xmlns="" w="9525">
                     <a:solidFill>
                       <a:srgbClr val="000000"/>
                     </a:solidFill>
@@ -9403,7 +9403,7 @@
               </a:ln>
               <a:extLst>
                 <a:ext uri="{91240B29-F687-4f45-9708-019B960494DF}">
-                  <a14:hiddenLine xmlns="" xmlns:a14="http://schemas.microsoft.com/office/drawing/2010/main" w="9525">
+                  <a14:hiddenLine xmlns:a14="http://schemas.microsoft.com/office/drawing/2010/main" xmlns="" w="9525">
                     <a:solidFill>
                       <a:srgbClr val="000000"/>
                     </a:solidFill>
@@ -9493,7 +9493,7 @@
               </a:ln>
               <a:extLst>
                 <a:ext uri="{91240B29-F687-4f45-9708-019B960494DF}">
-                  <a14:hiddenLine xmlns="" xmlns:a14="http://schemas.microsoft.com/office/drawing/2010/main" w="9525">
+                  <a14:hiddenLine xmlns:a14="http://schemas.microsoft.com/office/drawing/2010/main" xmlns="" w="9525">
                     <a:solidFill>
                       <a:srgbClr val="000000"/>
                     </a:solidFill>
@@ -9555,7 +9555,7 @@
               </a:ln>
               <a:extLst>
                 <a:ext uri="{91240B29-F687-4f45-9708-019B960494DF}">
-                  <a14:hiddenLine xmlns="" xmlns:a14="http://schemas.microsoft.com/office/drawing/2010/main" w="9525">
+                  <a14:hiddenLine xmlns:a14="http://schemas.microsoft.com/office/drawing/2010/main" xmlns="" w="9525">
                     <a:solidFill>
                       <a:srgbClr val="000000"/>
                     </a:solidFill>
@@ -9617,7 +9617,7 @@
               </a:ln>
               <a:extLst>
                 <a:ext uri="{91240B29-F687-4f45-9708-019B960494DF}">
-                  <a14:hiddenLine xmlns="" xmlns:a14="http://schemas.microsoft.com/office/drawing/2010/main" w="9525">
+                  <a14:hiddenLine xmlns:a14="http://schemas.microsoft.com/office/drawing/2010/main" xmlns="" w="9525">
                     <a:solidFill>
                       <a:srgbClr val="000000"/>
                     </a:solidFill>
@@ -9707,7 +9707,7 @@
               </a:ln>
               <a:extLst>
                 <a:ext uri="{91240B29-F687-4f45-9708-019B960494DF}">
-                  <a14:hiddenLine xmlns="" xmlns:a14="http://schemas.microsoft.com/office/drawing/2010/main" w="9525">
+                  <a14:hiddenLine xmlns:a14="http://schemas.microsoft.com/office/drawing/2010/main" xmlns="" w="9525">
                     <a:solidFill>
                       <a:srgbClr val="000000"/>
                     </a:solidFill>
@@ -9797,7 +9797,7 @@
               </a:ln>
               <a:extLst>
                 <a:ext uri="{91240B29-F687-4f45-9708-019B960494DF}">
-                  <a14:hiddenLine xmlns="" xmlns:a14="http://schemas.microsoft.com/office/drawing/2010/main" w="9525">
+                  <a14:hiddenLine xmlns:a14="http://schemas.microsoft.com/office/drawing/2010/main" xmlns="" w="9525">
                     <a:solidFill>
                       <a:srgbClr val="000000"/>
                     </a:solidFill>
@@ -9859,7 +9859,7 @@
               </a:ln>
               <a:extLst>
                 <a:ext uri="{91240B29-F687-4f45-9708-019B960494DF}">
-                  <a14:hiddenLine xmlns="" xmlns:a14="http://schemas.microsoft.com/office/drawing/2010/main" w="9525">
+                  <a14:hiddenLine xmlns:a14="http://schemas.microsoft.com/office/drawing/2010/main" xmlns="" w="9525">
                     <a:solidFill>
                       <a:srgbClr val="000000"/>
                     </a:solidFill>
@@ -9969,7 +9969,7 @@
               </a:ln>
               <a:extLst>
                 <a:ext uri="{91240B29-F687-4f45-9708-019B960494DF}">
-                  <a14:hiddenLine xmlns="" xmlns:a14="http://schemas.microsoft.com/office/drawing/2010/main" w="9525">
+                  <a14:hiddenLine xmlns:a14="http://schemas.microsoft.com/office/drawing/2010/main" xmlns="" w="9525">
                     <a:solidFill>
                       <a:srgbClr val="000000"/>
                     </a:solidFill>
@@ -10053,7 +10053,7 @@
               </a:ln>
               <a:extLst>
                 <a:ext uri="{91240B29-F687-4f45-9708-019B960494DF}">
-                  <a14:hiddenLine xmlns="" xmlns:a14="http://schemas.microsoft.com/office/drawing/2010/main" w="9525">
+                  <a14:hiddenLine xmlns:a14="http://schemas.microsoft.com/office/drawing/2010/main" xmlns="" w="9525">
                     <a:solidFill>
                       <a:srgbClr val="000000"/>
                     </a:solidFill>
@@ -10115,7 +10115,7 @@
               </a:ln>
               <a:extLst>
                 <a:ext uri="{91240B29-F687-4f45-9708-019B960494DF}">
-                  <a14:hiddenLine xmlns="" xmlns:a14="http://schemas.microsoft.com/office/drawing/2010/main" w="9525">
+                  <a14:hiddenLine xmlns:a14="http://schemas.microsoft.com/office/drawing/2010/main" xmlns="" w="9525">
                     <a:solidFill>
                       <a:srgbClr val="000000"/>
                     </a:solidFill>
@@ -10177,7 +10177,7 @@
               </a:ln>
               <a:extLst>
                 <a:ext uri="{91240B29-F687-4f45-9708-019B960494DF}">
-                  <a14:hiddenLine xmlns="" xmlns:a14="http://schemas.microsoft.com/office/drawing/2010/main" w="9525">
+                  <a14:hiddenLine xmlns:a14="http://schemas.microsoft.com/office/drawing/2010/main" xmlns="" w="9525">
                     <a:solidFill>
                       <a:srgbClr val="000000"/>
                     </a:solidFill>
@@ -10267,7 +10267,7 @@
               </a:ln>
               <a:extLst>
                 <a:ext uri="{91240B29-F687-4f45-9708-019B960494DF}">
-                  <a14:hiddenLine xmlns="" xmlns:a14="http://schemas.microsoft.com/office/drawing/2010/main" w="9525">
+                  <a14:hiddenLine xmlns:a14="http://schemas.microsoft.com/office/drawing/2010/main" xmlns="" w="9525">
                     <a:solidFill>
                       <a:srgbClr val="000000"/>
                     </a:solidFill>
@@ -10301,7 +10301,7 @@
               </a:ln>
               <a:extLst>
                 <a:ext uri="{91240B29-F687-4f45-9708-019B960494DF}">
-                  <a14:hiddenLine xmlns="" xmlns:a14="http://schemas.microsoft.com/office/drawing/2010/main" w="9525">
+                  <a14:hiddenLine xmlns:a14="http://schemas.microsoft.com/office/drawing/2010/main" xmlns="" w="9525">
                     <a:solidFill>
                       <a:srgbClr val="000000"/>
                     </a:solidFill>
@@ -10366,7 +10366,7 @@
               </a:ln>
               <a:extLst>
                 <a:ext uri="{91240B29-F687-4f45-9708-019B960494DF}">
-                  <a14:hiddenLine xmlns="" xmlns:a14="http://schemas.microsoft.com/office/drawing/2010/main" w="9525">
+                  <a14:hiddenLine xmlns:a14="http://schemas.microsoft.com/office/drawing/2010/main" xmlns="" w="9525">
                     <a:solidFill>
                       <a:srgbClr val="000000"/>
                     </a:solidFill>
@@ -10456,7 +10456,7 @@
               </a:ln>
               <a:extLst>
                 <a:ext uri="{91240B29-F687-4f45-9708-019B960494DF}">
-                  <a14:hiddenLine xmlns="" xmlns:a14="http://schemas.microsoft.com/office/drawing/2010/main" w="9525">
+                  <a14:hiddenLine xmlns:a14="http://schemas.microsoft.com/office/drawing/2010/main" xmlns="" w="9525">
                     <a:solidFill>
                       <a:srgbClr val="000000"/>
                     </a:solidFill>
@@ -10518,7 +10518,7 @@
               </a:ln>
               <a:extLst>
                 <a:ext uri="{91240B29-F687-4f45-9708-019B960494DF}">
-                  <a14:hiddenLine xmlns="" xmlns:a14="http://schemas.microsoft.com/office/drawing/2010/main" w="9525">
+                  <a14:hiddenLine xmlns:a14="http://schemas.microsoft.com/office/drawing/2010/main" xmlns="" w="9525">
                     <a:solidFill>
                       <a:srgbClr val="000000"/>
                     </a:solidFill>
@@ -10608,7 +10608,7 @@
               </a:ln>
               <a:extLst>
                 <a:ext uri="{91240B29-F687-4f45-9708-019B960494DF}">
-                  <a14:hiddenLine xmlns="" xmlns:a14="http://schemas.microsoft.com/office/drawing/2010/main" w="9525">
+                  <a14:hiddenLine xmlns:a14="http://schemas.microsoft.com/office/drawing/2010/main" xmlns="" w="9525">
                     <a:solidFill>
                       <a:srgbClr val="000000"/>
                     </a:solidFill>
@@ -10673,7 +10673,7 @@
               </a:ln>
               <a:extLst>
                 <a:ext uri="{91240B29-F687-4f45-9708-019B960494DF}">
-                  <a14:hiddenLine xmlns="" xmlns:a14="http://schemas.microsoft.com/office/drawing/2010/main" w="9525">
+                  <a14:hiddenLine xmlns:a14="http://schemas.microsoft.com/office/drawing/2010/main" xmlns="" w="9525">
                     <a:solidFill>
                       <a:srgbClr val="000000"/>
                     </a:solidFill>
@@ -10735,7 +10735,7 @@
               </a:ln>
               <a:extLst>
                 <a:ext uri="{91240B29-F687-4f45-9708-019B960494DF}">
-                  <a14:hiddenLine xmlns="" xmlns:a14="http://schemas.microsoft.com/office/drawing/2010/main" w="9525">
+                  <a14:hiddenLine xmlns:a14="http://schemas.microsoft.com/office/drawing/2010/main" xmlns="" w="9525">
                     <a:solidFill>
                       <a:srgbClr val="000000"/>
                     </a:solidFill>
@@ -10825,7 +10825,7 @@
               </a:ln>
               <a:extLst>
                 <a:ext uri="{91240B29-F687-4f45-9708-019B960494DF}">
-                  <a14:hiddenLine xmlns="" xmlns:a14="http://schemas.microsoft.com/office/drawing/2010/main" w="9525">
+                  <a14:hiddenLine xmlns:a14="http://schemas.microsoft.com/office/drawing/2010/main" xmlns="" w="9525">
                     <a:solidFill>
                       <a:srgbClr val="000000"/>
                     </a:solidFill>
@@ -10915,7 +10915,7 @@
               </a:ln>
               <a:extLst>
                 <a:ext uri="{91240B29-F687-4f45-9708-019B960494DF}">
-                  <a14:hiddenLine xmlns="" xmlns:a14="http://schemas.microsoft.com/office/drawing/2010/main" w="9525">
+                  <a14:hiddenLine xmlns:a14="http://schemas.microsoft.com/office/drawing/2010/main" xmlns="" w="9525">
                     <a:solidFill>
                       <a:srgbClr val="000000"/>
                     </a:solidFill>
@@ -10980,7 +10980,7 @@
               </a:ln>
               <a:extLst>
                 <a:ext uri="{91240B29-F687-4f45-9708-019B960494DF}">
-                  <a14:hiddenLine xmlns="" xmlns:a14="http://schemas.microsoft.com/office/drawing/2010/main" w="9525">
+                  <a14:hiddenLine xmlns:a14="http://schemas.microsoft.com/office/drawing/2010/main" xmlns="" w="9525">
                     <a:solidFill>
                       <a:srgbClr val="000000"/>
                     </a:solidFill>
@@ -11100,7 +11100,7 @@
               </a:ln>
               <a:extLst>
                 <a:ext uri="{91240B29-F687-4f45-9708-019B960494DF}">
-                  <a14:hiddenLine xmlns="" xmlns:a14="http://schemas.microsoft.com/office/drawing/2010/main" w="9525">
+                  <a14:hiddenLine xmlns:a14="http://schemas.microsoft.com/office/drawing/2010/main" xmlns="" w="9525">
                     <a:solidFill>
                       <a:srgbClr val="000000"/>
                     </a:solidFill>
@@ -11181,7 +11181,7 @@
               </a:ln>
               <a:extLst>
                 <a:ext uri="{91240B29-F687-4f45-9708-019B960494DF}">
-                  <a14:hiddenLine xmlns="" xmlns:a14="http://schemas.microsoft.com/office/drawing/2010/main" w="9525">
+                  <a14:hiddenLine xmlns:a14="http://schemas.microsoft.com/office/drawing/2010/main" xmlns="" w="9525">
                     <a:solidFill>
                       <a:srgbClr val="000000"/>
                     </a:solidFill>
@@ -11296,7 +11296,7 @@
               </a:ln>
               <a:extLst>
                 <a:ext uri="{91240B29-F687-4f45-9708-019B960494DF}">
-                  <a14:hiddenLine xmlns="" xmlns:a14="http://schemas.microsoft.com/office/drawing/2010/main" w="9525">
+                  <a14:hiddenLine xmlns:a14="http://schemas.microsoft.com/office/drawing/2010/main" xmlns="" w="9525">
                     <a:solidFill>
                       <a:srgbClr val="000000"/>
                     </a:solidFill>
@@ -11386,7 +11386,7 @@
               </a:ln>
               <a:extLst>
                 <a:ext uri="{91240B29-F687-4f45-9708-019B960494DF}">
-                  <a14:hiddenLine xmlns="" xmlns:a14="http://schemas.microsoft.com/office/drawing/2010/main" w="9525">
+                  <a14:hiddenLine xmlns:a14="http://schemas.microsoft.com/office/drawing/2010/main" xmlns="" w="9525">
                     <a:solidFill>
                       <a:srgbClr val="000000"/>
                     </a:solidFill>
@@ -11451,7 +11451,7 @@
               </a:ln>
               <a:extLst>
                 <a:ext uri="{91240B29-F687-4f45-9708-019B960494DF}">
-                  <a14:hiddenLine xmlns="" xmlns:a14="http://schemas.microsoft.com/office/drawing/2010/main" w="9525">
+                  <a14:hiddenLine xmlns:a14="http://schemas.microsoft.com/office/drawing/2010/main" xmlns="" w="9525">
                     <a:solidFill>
                       <a:srgbClr val="000000"/>
                     </a:solidFill>
@@ -11541,7 +11541,7 @@
               </a:ln>
               <a:extLst>
                 <a:ext uri="{91240B29-F687-4f45-9708-019B960494DF}">
-                  <a14:hiddenLine xmlns="" xmlns:a14="http://schemas.microsoft.com/office/drawing/2010/main" w="9525">
+                  <a14:hiddenLine xmlns:a14="http://schemas.microsoft.com/office/drawing/2010/main" xmlns="" w="9525">
                     <a:solidFill>
                       <a:srgbClr val="000000"/>
                     </a:solidFill>
@@ -11609,7 +11609,7 @@
               </a:ln>
               <a:extLst>
                 <a:ext uri="{91240B29-F687-4f45-9708-019B960494DF}">
-                  <a14:hiddenLine xmlns="" xmlns:a14="http://schemas.microsoft.com/office/drawing/2010/main" w="9525">
+                  <a14:hiddenLine xmlns:a14="http://schemas.microsoft.com/office/drawing/2010/main" xmlns="" w="9525">
                     <a:solidFill>
                       <a:srgbClr val="000000"/>
                     </a:solidFill>
@@ -11699,7 +11699,7 @@
               </a:ln>
               <a:extLst>
                 <a:ext uri="{91240B29-F687-4f45-9708-019B960494DF}">
-                  <a14:hiddenLine xmlns="" xmlns:a14="http://schemas.microsoft.com/office/drawing/2010/main" w="9525">
+                  <a14:hiddenLine xmlns:a14="http://schemas.microsoft.com/office/drawing/2010/main" xmlns="" w="9525">
                     <a:solidFill>
                       <a:srgbClr val="000000"/>
                     </a:solidFill>
@@ -11767,7 +11767,7 @@
               </a:ln>
               <a:extLst>
                 <a:ext uri="{91240B29-F687-4f45-9708-019B960494DF}">
-                  <a14:hiddenLine xmlns="" xmlns:a14="http://schemas.microsoft.com/office/drawing/2010/main" w="9525">
+                  <a14:hiddenLine xmlns:a14="http://schemas.microsoft.com/office/drawing/2010/main" xmlns="" w="9525">
                     <a:solidFill>
                       <a:srgbClr val="000000"/>
                     </a:solidFill>
@@ -11857,7 +11857,7 @@
               </a:ln>
               <a:extLst>
                 <a:ext uri="{91240B29-F687-4f45-9708-019B960494DF}">
-                  <a14:hiddenLine xmlns="" xmlns:a14="http://schemas.microsoft.com/office/drawing/2010/main" w="9525">
+                  <a14:hiddenLine xmlns:a14="http://schemas.microsoft.com/office/drawing/2010/main" xmlns="" w="9525">
                     <a:solidFill>
                       <a:srgbClr val="000000"/>
                     </a:solidFill>
@@ -11891,7 +11891,7 @@
               </a:ln>
               <a:extLst>
                 <a:ext uri="{91240B29-F687-4f45-9708-019B960494DF}">
-                  <a14:hiddenLine xmlns="" xmlns:a14="http://schemas.microsoft.com/office/drawing/2010/main" w="9525">
+                  <a14:hiddenLine xmlns:a14="http://schemas.microsoft.com/office/drawing/2010/main" xmlns="" w="9525">
                     <a:solidFill>
                       <a:srgbClr val="000000"/>
                     </a:solidFill>
@@ -12463,8 +12463,8 @@
         </p:nvSpPr>
         <p:spPr>
           <a:xfrm>
-            <a:off x="1523999" y="1103313"/>
-            <a:ext cx="8791575" cy="2387600"/>
+            <a:off x="3011053" y="240144"/>
+            <a:ext cx="8791575" cy="1209531"/>
           </a:xfrm>
         </p:spPr>
         <p:txBody>
@@ -12481,34 +12481,10 @@
           </a:p>
         </p:txBody>
       </p:sp>
-      <p:sp>
-        <p:nvSpPr>
-          <p:cNvPr id="3" name="Subtitle 2"/>
-          <p:cNvSpPr>
-            <a:spLocks noGrp="1"/>
-          </p:cNvSpPr>
-          <p:nvPr>
-            <p:ph type="subTitle" idx="1"/>
-          </p:nvPr>
-        </p:nvSpPr>
-        <p:spPr/>
-        <p:txBody>
-          <a:bodyPr/>
-          <a:lstStyle/>
-          <a:p>
-            <a:r>
-              <a:rPr lang="en-US" b="1" dirty="0"/>
-              <a:t>maze</a:t>
-            </a:r>
-          </a:p>
-        </p:txBody>
-      </p:sp>
       <p:pic>
         <p:nvPicPr>
-          <p:cNvPr id="1026" name="Picture 2" descr="Maze ransomware: extorting victims for 1 year and counting – Sophos News"/>
-          <p:cNvPicPr>
-            <a:picLocks noChangeAspect="1" noChangeArrowheads="1"/>
-          </p:cNvPicPr>
+          <p:cNvPr id="5" name="Picture 4" descr="C:\Users\Yani\Desktop\logodeltaraisers.png"/>
+          <p:cNvPicPr/>
           <p:nvPr/>
         </p:nvPicPr>
         <p:blipFill>
@@ -12526,22 +12502,16 @@
         </p:blipFill>
         <p:spPr bwMode="auto">
           <a:xfrm>
-            <a:off x="4036867" y="4008149"/>
-            <a:ext cx="7296150" cy="2219326"/>
+            <a:off x="3362036" y="1791856"/>
+            <a:ext cx="4773121" cy="4509654"/>
           </a:xfrm>
           <a:prstGeom prst="rect">
             <a:avLst/>
           </a:prstGeom>
           <a:noFill/>
-          <a:extLst>
-            <a:ext uri="{909E8E84-426E-40DD-AFC4-6F175D3DCCD1}">
-              <a14:hiddenFill xmlns:a14="http://schemas.microsoft.com/office/drawing/2010/main">
-                <a:solidFill>
-                  <a:srgbClr val="FFFFFF"/>
-                </a:solidFill>
-              </a14:hiddenFill>
-            </a:ext>
-          </a:extLst>
+          <a:ln>
+            <a:noFill/>
+          </a:ln>
         </p:spPr>
       </p:pic>
     </p:spTree>
